--- a/data-system/ZooKeeper_share1_v4.pptx
+++ b/data-system/ZooKeeper_share1_v4.pptx
@@ -565,19 +565,7 @@
             </a:pPr>
             <a:r>
               <a:rPr lang="zh-CN" altLang="en-US" sz="1200" baseline="0" dirty="0"/>
-              <a:t>本次分享主要以数据存储为核心的单节点与多节点系统常见问题的探讨</a:t>
-            </a:r>
-            <a:r>
-              <a:rPr lang="en-US" altLang="zh-CN" sz="1200" baseline="0" dirty="0"/>
-              <a:t>,</a:t>
-            </a:r>
-            <a:r>
-              <a:rPr lang="en-US" altLang="zh-CN" sz="1200" dirty="0"/>
-              <a:t> </a:t>
-            </a:r>
-            <a:r>
-              <a:rPr lang="zh-CN" altLang="en-US" sz="1200" baseline="0" dirty="0"/>
-              <a:t>和 </a:t>
+              <a:t>本次分享主要以数据存储为核心的单节点与多节点系统常见问题的探讨，和 </a:t>
             </a:r>
             <a:r>
               <a:rPr lang="en-US" altLang="zh-CN" sz="1200" baseline="0" dirty="0"/>
@@ -585,11 +573,7 @@
             </a:r>
             <a:r>
               <a:rPr lang="zh-CN" altLang="en-US" sz="1200" baseline="0" dirty="0"/>
-              <a:t>技术的讨论</a:t>
-            </a:r>
-            <a:r>
-              <a:rPr lang="en-US" altLang="zh-CN" sz="1200" baseline="0" dirty="0"/>
-              <a:t>.</a:t>
+              <a:t>技术的讨论。</a:t>
             </a:r>
             <a:endParaRPr lang="zh-CN" altLang="en-US" sz="1200" dirty="0"/>
           </a:p>
@@ -2530,10 +2514,10 @@
           </a:p>
           <a:p>
             <a:r>
-              <a:rPr lang="zh-CN"/>
+              <a:rPr lang="zh-CN" dirty="0"/>
               <a:t>消息的传递可以认为是追加一条日志，将日志发送到所有的节点。</a:t>
             </a:r>
-            <a:endParaRPr lang="en-US"/>
+            <a:endParaRPr lang="en-US" dirty="0"/>
           </a:p>
           <a:p>
             <a:endParaRPr lang="zh-CN" altLang="en-US" dirty="0"/>
@@ -2854,7 +2838,7 @@
               <a:t>ZooKeeper </a:t>
             </a:r>
             <a:r>
-              <a:rPr lang="ja-JP" altLang="en-US">
+              <a:rPr lang="ja-JP" altLang="en-US" dirty="0">
                 <a:latin typeface="Calibri"/>
                 <a:ea typeface="游ゴシック"/>
                 <a:cs typeface="Calibri"/>
@@ -2871,26 +2855,26 @@
           </a:p>
           <a:p>
             <a:r>
-              <a:rPr lang="ja-JP">
+              <a:rPr lang="ja-JP" dirty="0">
                 <a:ea typeface="游ゴシック"/>
               </a:rPr>
               <a:t>广播的过程实际上是一个简化的二阶段提交过程</a:t>
             </a:r>
             <a:r>
-              <a:rPr lang="ja-JP" altLang="en-US">
+              <a:rPr lang="ja-JP" altLang="en-US" dirty="0">
                 <a:ea typeface="游ゴシック"/>
               </a:rPr>
               <a:t>，</a:t>
             </a:r>
             <a:r>
-              <a:rPr lang="ja-JP" altLang="en-US">
+              <a:rPr lang="ja-JP" altLang="en-US" dirty="0">
                 <a:latin typeface="Calibri"/>
                 <a:ea typeface="游ゴシック"/>
                 <a:cs typeface="Calibri"/>
               </a:rPr>
               <a:t>ZooKeeper 是主从模式的，首先</a:t>
             </a:r>
-            <a:endParaRPr lang="ja-JP">
+            <a:endParaRPr lang="ja-JP" dirty="0">
               <a:latin typeface="等线" panose="020F0502020204030204"/>
               <a:ea typeface="游ゴシック"/>
               <a:cs typeface="Calibri"/>
@@ -2905,18 +2889,13 @@
           </a:p>
           <a:p>
             <a:r>
-              <a:rPr lang="ja-JP" altLang="en-US">
+              <a:rPr lang="ja-JP" altLang="en-US" dirty="0">
                 <a:latin typeface="Calibri"/>
                 <a:ea typeface="游ゴシック"/>
                 <a:cs typeface="Calibri"/>
               </a:rPr>
               <a:t>仲裁量：法定选举人数，一般超过总节点数的一半。</a:t>
             </a:r>
-            <a:endParaRPr lang="ja-JP" altLang="en-US" dirty="0">
-              <a:latin typeface="Calibri"/>
-              <a:ea typeface="游ゴシック"/>
-              <a:cs typeface="Calibri"/>
-            </a:endParaRPr>
           </a:p>
           <a:p>
             <a:endParaRPr lang="ja-JP" dirty="0">
@@ -2925,14 +2904,11 @@
           </a:p>
           <a:p>
             <a:r>
-              <a:rPr lang="ja-JP" altLang="en-US">
+              <a:rPr lang="ja-JP" altLang="en-US" dirty="0">
                 <a:ea typeface="游ゴシック"/>
               </a:rPr>
               <a:t>Zab 实现过程见下链接：</a:t>
             </a:r>
-            <a:endParaRPr lang="ja-JP" altLang="en-US" dirty="0">
-              <a:ea typeface="游ゴシック"/>
-            </a:endParaRPr>
           </a:p>
           <a:p>
             <a:r>
@@ -2942,7 +2918,7 @@
               </a:rPr>
               <a:t>https://my.oschina.net/chener/blog/1504093</a:t>
             </a:r>
-            <a:endParaRPr lang="ja-JP">
+            <a:endParaRPr lang="ja-JP" dirty="0">
               <a:ea typeface="游ゴシック"/>
             </a:endParaRPr>
           </a:p>
@@ -2956,7 +2932,7 @@
               </a:rPr>
               <a:t>https://blog.csdn.net/qq_28674045/article/details/51392523</a:t>
             </a:r>
-            <a:endParaRPr lang="ja-JP" altLang="en-US"/>
+            <a:endParaRPr lang="ja-JP" altLang="en-US" dirty="0"/>
           </a:p>
           <a:p>
             <a:endParaRPr lang="en-US" altLang="ja-JP" dirty="0">
@@ -2965,14 +2941,65 @@
           </a:p>
           <a:p>
             <a:r>
-              <a:rPr lang="en-US" altLang="ja-JP">
+              <a:rPr lang="en-US" altLang="ja-JP" dirty="0" err="1">
                 <a:ea typeface="游ゴシック"/>
               </a:rPr>
-              <a:t>以上就是 ZooKeeper 通过 Zab 协议实现共识的方式，这也是 ZooKeeper 一个非常核心的功能。</a:t>
-            </a:r>
-            <a:endParaRPr lang="en-US" altLang="ja-JP" dirty="0">
-              <a:ea typeface="游ゴシック"/>
-            </a:endParaRPr>
+              <a:t>以上就是</a:t>
+            </a:r>
+            <a:r>
+              <a:rPr lang="en-US" altLang="ja-JP" dirty="0">
+                <a:ea typeface="游ゴシック"/>
+              </a:rPr>
+              <a:t> ZooKeeper </a:t>
+            </a:r>
+            <a:r>
+              <a:rPr lang="en-US" altLang="ja-JP" dirty="0" err="1">
+                <a:ea typeface="游ゴシック"/>
+              </a:rPr>
+              <a:t>通过</a:t>
+            </a:r>
+            <a:r>
+              <a:rPr lang="en-US" altLang="ja-JP" dirty="0">
+                <a:ea typeface="游ゴシック"/>
+              </a:rPr>
+              <a:t> </a:t>
+            </a:r>
+            <a:r>
+              <a:rPr lang="en-US" altLang="ja-JP" dirty="0" err="1">
+                <a:ea typeface="游ゴシック"/>
+              </a:rPr>
+              <a:t>Zab</a:t>
+            </a:r>
+            <a:r>
+              <a:rPr lang="en-US" altLang="ja-JP" dirty="0">
+                <a:ea typeface="游ゴシック"/>
+              </a:rPr>
+              <a:t> </a:t>
+            </a:r>
+            <a:r>
+              <a:rPr lang="en-US" altLang="ja-JP" dirty="0" err="1">
+                <a:ea typeface="游ゴシック"/>
+              </a:rPr>
+              <a:t>协议实现共识的方式，这也是</a:t>
+            </a:r>
+            <a:r>
+              <a:rPr lang="en-US" altLang="ja-JP" dirty="0">
+                <a:ea typeface="游ゴシック"/>
+              </a:rPr>
+              <a:t> ZooKeeper </a:t>
+            </a:r>
+            <a:r>
+              <a:rPr lang="en-US" altLang="ja-JP" dirty="0" err="1">
+                <a:ea typeface="游ゴシック"/>
+              </a:rPr>
+              <a:t>一个非常核心的功能</a:t>
+            </a:r>
+            <a:r>
+              <a:rPr lang="en-US" altLang="ja-JP" dirty="0">
+                <a:ea typeface="游ゴシック"/>
+              </a:rPr>
+              <a:t>。</a:t>
+            </a:r>
           </a:p>
         </p:txBody>
       </p:sp>
@@ -3057,7 +3084,7 @@
           <a:lstStyle/>
           <a:p>
             <a:r>
-              <a:rPr lang="ja-JP" altLang="en-US">
+              <a:rPr lang="ja-JP" altLang="en-US" dirty="0">
                 <a:latin typeface="Calibri"/>
                 <a:ea typeface="游ゴシック"/>
                 <a:cs typeface="Calibri"/>
@@ -3065,22 +3092,46 @@
               <a:t>接下来我们看看</a:t>
             </a:r>
             <a:r>
-              <a:rPr lang="en-US" altLang="ja-JP">
+              <a:rPr lang="en-US" altLang="ja-JP" dirty="0">
                 <a:latin typeface="Calibri"/>
                 <a:ea typeface="游ゴシック"/>
                 <a:cs typeface="Calibri"/>
               </a:rPr>
-              <a:t> ZooKeeper 的一些详细介绍。</a:t>
-            </a:r>
-          </a:p>
-          <a:p>
-            <a:r>
-              <a:rPr lang="en-US" altLang="ja-JP">
+              <a:t> ZooKeeper </a:t>
+            </a:r>
+            <a:r>
+              <a:rPr lang="en-US" altLang="ja-JP" dirty="0" err="1">
                 <a:latin typeface="Calibri"/>
                 <a:ea typeface="游ゴシック"/>
                 <a:cs typeface="Calibri"/>
               </a:rPr>
-              <a:t>官网是这样介绍 ZooKeeper 的：</a:t>
+              <a:t>的一些详细介绍</a:t>
+            </a:r>
+            <a:r>
+              <a:rPr lang="en-US" altLang="ja-JP" dirty="0">
+                <a:latin typeface="Calibri"/>
+                <a:ea typeface="游ゴシック"/>
+                <a:cs typeface="Calibri"/>
+              </a:rPr>
+              <a:t>。</a:t>
+            </a:r>
+          </a:p>
+          <a:p>
+            <a:r>
+              <a:rPr lang="en-US" altLang="ja-JP" dirty="0" err="1">
+                <a:latin typeface="Calibri"/>
+                <a:ea typeface="游ゴシック"/>
+                <a:cs typeface="Calibri"/>
+              </a:rPr>
+              <a:t>官网是这样介绍</a:t>
+            </a:r>
+            <a:r>
+              <a:rPr lang="en-US" altLang="ja-JP" dirty="0">
+                <a:latin typeface="Calibri"/>
+                <a:ea typeface="游ゴシック"/>
+                <a:cs typeface="Calibri"/>
+              </a:rPr>
+              <a:t> ZooKeeper 的：</a:t>
             </a:r>
           </a:p>
           <a:p>
@@ -3092,48 +3143,91 @@
           </a:p>
           <a:p>
             <a:r>
-              <a:rPr lang="en-US" altLang="ja-JP">
+              <a:rPr lang="en-US" altLang="ja-JP" dirty="0" err="1">
                 <a:latin typeface="Calibri"/>
                 <a:ea typeface="游ゴシック"/>
                 <a:cs typeface="Calibri"/>
               </a:rPr>
-              <a:t>简单：通过抽象出多层级的目录，节点，锁等概念，将复杂的分布式协调工作进行简化。</a:t>
-            </a:r>
-          </a:p>
-          <a:p>
-            <a:r>
-              <a:rPr lang="en-US" altLang="ja-JP">
+              <a:t>简单：通过抽象出多层级的目录，节点，锁等概念，将复杂的分布式协调工作进行简化</a:t>
+            </a:r>
+            <a:r>
+              <a:rPr lang="en-US" altLang="ja-JP" dirty="0">
                 <a:latin typeface="Calibri"/>
                 <a:ea typeface="游ゴシック"/>
                 <a:cs typeface="Calibri"/>
               </a:rPr>
-              <a:t>多节点 / 多副本：主从模式，每份数据保存在多个节点。</a:t>
-            </a:r>
-          </a:p>
-          <a:p>
-            <a:r>
-              <a:rPr lang="en-US" altLang="ja-JP">
+              <a:t>。</a:t>
+            </a:r>
+          </a:p>
+          <a:p>
+            <a:r>
+              <a:rPr lang="en-US" altLang="ja-JP" dirty="0" err="1">
                 <a:latin typeface="Calibri"/>
                 <a:ea typeface="游ゴシック"/>
                 <a:cs typeface="Calibri"/>
               </a:rPr>
-              <a:t>有序：通过对每个更新操作进行标记，保证顺序性。</a:t>
-            </a:r>
-          </a:p>
-          <a:p>
-            <a:r>
-              <a:rPr lang="en-US" altLang="ja-JP">
+              <a:t>多节点</a:t>
+            </a:r>
+            <a:r>
+              <a:rPr lang="en-US" altLang="ja-JP" dirty="0">
                 <a:latin typeface="Calibri"/>
                 <a:ea typeface="游ゴシック"/>
                 <a:cs typeface="Calibri"/>
               </a:rPr>
-              <a:t>高性能：将数据存储在内存中，提高查询速度。</a:t>
-            </a:r>
-            <a:endParaRPr lang="en-US" altLang="ja-JP" dirty="0">
-              <a:latin typeface="Calibri"/>
-              <a:ea typeface="游ゴシック"/>
-              <a:cs typeface="Calibri"/>
-            </a:endParaRPr>
+              <a:t> / </a:t>
+            </a:r>
+            <a:r>
+              <a:rPr lang="en-US" altLang="ja-JP" dirty="0" err="1">
+                <a:latin typeface="Calibri"/>
+                <a:ea typeface="游ゴシック"/>
+                <a:cs typeface="Calibri"/>
+              </a:rPr>
+              <a:t>多副本：主从模式，每份数据保存在多个节点</a:t>
+            </a:r>
+            <a:r>
+              <a:rPr lang="en-US" altLang="ja-JP" dirty="0">
+                <a:latin typeface="Calibri"/>
+                <a:ea typeface="游ゴシック"/>
+                <a:cs typeface="Calibri"/>
+              </a:rPr>
+              <a:t>。</a:t>
+            </a:r>
+          </a:p>
+          <a:p>
+            <a:r>
+              <a:rPr lang="en-US" altLang="ja-JP" dirty="0" err="1">
+                <a:latin typeface="Calibri"/>
+                <a:ea typeface="游ゴシック"/>
+                <a:cs typeface="Calibri"/>
+              </a:rPr>
+              <a:t>有序：通过对每个更新操作进行标记，保证顺序性</a:t>
+            </a:r>
+            <a:r>
+              <a:rPr lang="en-US" altLang="ja-JP" dirty="0">
+                <a:latin typeface="Calibri"/>
+                <a:ea typeface="游ゴシック"/>
+                <a:cs typeface="Calibri"/>
+              </a:rPr>
+              <a:t>。</a:t>
+            </a:r>
+          </a:p>
+          <a:p>
+            <a:r>
+              <a:rPr lang="en-US" altLang="ja-JP" dirty="0" err="1">
+                <a:latin typeface="Calibri"/>
+                <a:ea typeface="游ゴシック"/>
+                <a:cs typeface="Calibri"/>
+              </a:rPr>
+              <a:t>高性能：将数据存储在内存中，提高查询速度</a:t>
+            </a:r>
+            <a:r>
+              <a:rPr lang="en-US" altLang="ja-JP" dirty="0">
+                <a:latin typeface="Calibri"/>
+                <a:ea typeface="游ゴシック"/>
+                <a:cs typeface="Calibri"/>
+              </a:rPr>
+              <a:t>。</a:t>
+            </a:r>
           </a:p>
         </p:txBody>
       </p:sp>
@@ -3396,7 +3490,7 @@
           <a:p>
             <a:fld id="{B29B0859-3CF9-4522-8BD4-7CFA1BC8768C}" type="slidenum">
               <a:rPr lang="zh-CN" altLang="en-US" smtClean="0"/>
-              <a:t>‹#›</a:t>
+              <a:t>27</a:t>
             </a:fld>
             <a:endParaRPr lang="zh-CN" altLang="en-US"/>
           </a:p>
@@ -3512,7 +3606,7 @@
           <a:p>
             <a:fld id="{B29B0859-3CF9-4522-8BD4-7CFA1BC8768C}" type="slidenum">
               <a:rPr lang="zh-CN" altLang="en-US" smtClean="0"/>
-              <a:t>‹#›</a:t>
+              <a:t>28</a:t>
             </a:fld>
             <a:endParaRPr lang="zh-CN" altLang="en-US"/>
           </a:p>
@@ -3594,7 +3688,7 @@
             </a:pPr>
             <a:r>
               <a:rPr lang="zh-CN" altLang="en-US" sz="1200" dirty="0"/>
-              <a:t>作为开发或运维人员，在处理关系型数据库时，可能遇到以下复杂的情况：</a:t>
+              <a:t>作为开发或运维人员，在开发或与运维数据库时，可能遇到以下复杂的情况：</a:t>
             </a:r>
             <a:endParaRPr lang="en-US" altLang="zh-CN" sz="1200" dirty="0"/>
           </a:p>
@@ -7463,7 +7557,7 @@
         </p:nvSpPr>
         <p:spPr>
           <a:xfrm>
-            <a:off x="2180830" y="1066505"/>
+            <a:off x="1849160" y="1049027"/>
             <a:ext cx="3291952" cy="769441"/>
           </a:xfrm>
           <a:prstGeom prst="rect">
@@ -7478,7 +7572,7 @@
           <a:lstStyle/>
           <a:p>
             <a:r>
-              <a:rPr lang="zh-CN" altLang="en-US" sz="4400">
+              <a:rPr lang="zh-CN" altLang="en-US" sz="4400" dirty="0">
                 <a:latin typeface="微软雅黑"/>
                 <a:ea typeface="微软雅黑"/>
               </a:rPr>
@@ -7517,22 +7611,24 @@
           <a:p>
             <a:r>
               <a:rPr lang="zh-CN" sz="4400">
-                <a:ea typeface="+mn-lt"/>
+                <a:latin typeface="微软雅黑" panose="020B0503020204020204" pitchFamily="34" charset="-122"/>
+                <a:ea typeface="微软雅黑" panose="020B0503020204020204" pitchFamily="34" charset="-122"/>
                 <a:cs typeface="+mn-lt"/>
               </a:rPr>
               <a:t>分布式原理</a:t>
             </a:r>
             <a:r>
               <a:rPr lang="zh-CN" altLang="en-US" sz="4400">
-                <a:ea typeface="+mn-lt"/>
+                <a:latin typeface="微软雅黑" panose="020B0503020204020204" pitchFamily="34" charset="-122"/>
+                <a:ea typeface="微软雅黑" panose="020B0503020204020204" pitchFamily="34" charset="-122"/>
                 <a:cs typeface="+mn-lt"/>
               </a:rPr>
               <a:t>与</a:t>
             </a:r>
             <a:r>
               <a:rPr lang="zh-CN" altLang="en-US" sz="4400">
-                <a:latin typeface="微软雅黑"/>
-                <a:ea typeface="微软雅黑"/>
+                <a:latin typeface="微软雅黑" panose="020B0503020204020204" pitchFamily="34" charset="-122"/>
+                <a:ea typeface="微软雅黑" panose="020B0503020204020204" pitchFamily="34" charset="-122"/>
               </a:rPr>
               <a:t>实践</a:t>
             </a:r>
@@ -7561,7 +7657,7 @@
         </p:blipFill>
         <p:spPr>
           <a:xfrm>
-            <a:off x="1199422" y="751668"/>
+            <a:off x="901476" y="751668"/>
             <a:ext cx="752475" cy="1066800"/>
           </a:xfrm>
           <a:prstGeom prst="rect">
@@ -7599,21 +7695,21 @@
           <a:p>
             <a:r>
               <a:rPr lang="zh-CN" sz="2800">
-                <a:latin typeface="等线"/>
-                <a:ea typeface="等线"/>
+                <a:latin typeface="微软雅黑" panose="020B0503020204020204" pitchFamily="34" charset="-122"/>
+                <a:ea typeface="微软雅黑" panose="020B0503020204020204" pitchFamily="34" charset="-122"/>
               </a:rPr>
               <a:t>朱卫</a:t>
             </a:r>
             <a:r>
               <a:rPr lang="zh-CN" altLang="en-US" sz="2800">
-                <a:latin typeface="等线"/>
-                <a:ea typeface="等线"/>
+                <a:latin typeface="微软雅黑" panose="020B0503020204020204" pitchFamily="34" charset="-122"/>
+                <a:ea typeface="微软雅黑" panose="020B0503020204020204" pitchFamily="34" charset="-122"/>
               </a:rPr>
               <a:t>中</a:t>
             </a:r>
             <a:endParaRPr lang="zh-CN" sz="2800">
-              <a:latin typeface="等线"/>
-              <a:ea typeface="等线"/>
+              <a:latin typeface="微软雅黑" panose="020B0503020204020204" pitchFamily="34" charset="-122"/>
+              <a:ea typeface="微软雅黑" panose="020B0503020204020204" pitchFamily="34" charset="-122"/>
             </a:endParaRPr>
           </a:p>
         </p:txBody>
@@ -7786,7 +7882,7 @@
                 <a:latin typeface="微软雅黑" panose="020B0503020204020204" pitchFamily="34" charset="-122"/>
                 <a:ea typeface="微软雅黑" panose="020B0503020204020204" pitchFamily="34" charset="-122"/>
               </a:rPr>
-              <a:t>问题</a:t>
+              <a:t>多副本机制的问题</a:t>
             </a:r>
             <a:endParaRPr lang="en-US" altLang="zh-CN" sz="2000" dirty="0">
               <a:latin typeface="微软雅黑" panose="020B0503020204020204" pitchFamily="34" charset="-122"/>
@@ -8885,20 +8981,20 @@
           <a:lstStyle/>
           <a:p>
             <a:r>
-              <a:rPr lang="en-US" altLang="zh-CN" sz="2000">
+              <a:rPr lang="en-US" altLang="zh-CN" sz="2000" dirty="0">
                 <a:latin typeface="微软雅黑" panose="020B0503020204020204" pitchFamily="34" charset="-122"/>
                 <a:ea typeface="微软雅黑" panose="020B0503020204020204" pitchFamily="34" charset="-122"/>
               </a:rPr>
               <a:t>NTP </a:t>
             </a:r>
             <a:r>
-              <a:rPr lang="zh-CN" altLang="en-US" sz="2000">
+              <a:rPr lang="zh-CN" altLang="en-US" sz="2000" dirty="0">
                 <a:latin typeface="微软雅黑" panose="020B0503020204020204" pitchFamily="34" charset="-122"/>
                 <a:ea typeface="微软雅黑" panose="020B0503020204020204" pitchFamily="34" charset="-122"/>
               </a:rPr>
               <a:t>同步受限于当时的网络环境。</a:t>
             </a:r>
-            <a:endParaRPr lang="en-US" altLang="zh-CN" sz="2000">
+            <a:endParaRPr lang="en-US" altLang="zh-CN" sz="2000" dirty="0">
               <a:latin typeface="微软雅黑" panose="020B0503020204020204" pitchFamily="34" charset="-122"/>
               <a:ea typeface="微软雅黑" panose="020B0503020204020204" pitchFamily="34" charset="-122"/>
             </a:endParaRPr>
@@ -8912,7 +9008,7 @@
               <a:t>NTP </a:t>
             </a:r>
             <a:r>
-              <a:rPr lang="zh-CN" altLang="en-US" sz="2000">
+              <a:rPr lang="zh-CN" altLang="en-US" sz="2000" dirty="0">
                 <a:latin typeface="微软雅黑" panose="020B0503020204020204" pitchFamily="34" charset="-122"/>
                 <a:ea typeface="微软雅黑" panose="020B0503020204020204" pitchFamily="34" charset="-122"/>
               </a:rPr>
@@ -8921,16 +9017,12 @@
           </a:p>
           <a:p>
             <a:r>
-              <a:rPr lang="zh-CN" altLang="en-US" sz="2000">
+              <a:rPr lang="zh-CN" altLang="en-US" sz="2000" dirty="0">
                 <a:latin typeface="微软雅黑" panose="020B0503020204020204" pitchFamily="34" charset="-122"/>
                 <a:ea typeface="微软雅黑" panose="020B0503020204020204" pitchFamily="34" charset="-122"/>
               </a:rPr>
               <a:t>时钟漂移。</a:t>
             </a:r>
-            <a:endParaRPr lang="zh-CN" altLang="en-US" sz="2000" dirty="0">
-              <a:latin typeface="微软雅黑" panose="020B0503020204020204" pitchFamily="34" charset="-122"/>
-              <a:ea typeface="微软雅黑" panose="020B0503020204020204" pitchFamily="34" charset="-122"/>
-            </a:endParaRPr>
           </a:p>
         </p:txBody>
       </p:sp>
@@ -9029,13 +9121,13 @@
           <a:lstStyle/>
           <a:p>
             <a:r>
-              <a:rPr lang="zh-CN" altLang="en-US" sz="2000">
+              <a:rPr lang="zh-CN" altLang="en-US" sz="2000" dirty="0">
                 <a:latin typeface="微软雅黑" panose="020B0503020204020204" pitchFamily="34" charset="-122"/>
                 <a:ea typeface="微软雅黑" panose="020B0503020204020204" pitchFamily="34" charset="-122"/>
               </a:rPr>
               <a:t>拜占庭故障：某些节点不遵从协议，恶意攻击，干扰网络。</a:t>
             </a:r>
-            <a:endParaRPr lang="en-US" altLang="zh-CN" sz="2000">
+            <a:endParaRPr lang="en-US" altLang="zh-CN" sz="2000" dirty="0">
               <a:latin typeface="微软雅黑" panose="020B0503020204020204" pitchFamily="34" charset="-122"/>
               <a:ea typeface="微软雅黑" panose="020B0503020204020204" pitchFamily="34" charset="-122"/>
             </a:endParaRPr>
@@ -9071,40 +9163,40 @@
           <a:lstStyle/>
           <a:p>
             <a:r>
-              <a:rPr lang="zh-CN" altLang="en-US" sz="2000">
+              <a:rPr lang="zh-CN" altLang="en-US" sz="2000" dirty="0">
                 <a:latin typeface="微软雅黑" panose="020B0503020204020204" pitchFamily="34" charset="-122"/>
                 <a:ea typeface="微软雅黑" panose="020B0503020204020204" pitchFamily="34" charset="-122"/>
               </a:rPr>
               <a:t>航空航天领域</a:t>
             </a:r>
             <a:r>
-              <a:rPr lang="en-US" altLang="zh-CN" sz="2000">
+              <a:rPr lang="en-US" altLang="zh-CN" sz="2000" dirty="0">
                 <a:latin typeface="微软雅黑" panose="020B0503020204020204" pitchFamily="34" charset="-122"/>
                 <a:ea typeface="微软雅黑" panose="020B0503020204020204" pitchFamily="34" charset="-122"/>
               </a:rPr>
               <a:t>：</a:t>
             </a:r>
             <a:r>
-              <a:rPr lang="zh-CN" altLang="en-US" sz="2000">
+              <a:rPr lang="zh-CN" altLang="en-US" sz="2000" dirty="0">
                 <a:latin typeface="微软雅黑" panose="020B0503020204020204" pitchFamily="34" charset="-122"/>
                 <a:ea typeface="微软雅黑" panose="020B0503020204020204" pitchFamily="34" charset="-122"/>
               </a:rPr>
               <a:t>飞行控制系统由于辐射发生故障，行为不可预知。</a:t>
             </a:r>
-            <a:endParaRPr lang="en-US" altLang="zh-CN" sz="2000">
+            <a:endParaRPr lang="en-US" altLang="zh-CN" sz="2000" dirty="0">
               <a:latin typeface="微软雅黑" panose="020B0503020204020204" pitchFamily="34" charset="-122"/>
               <a:ea typeface="微软雅黑" panose="020B0503020204020204" pitchFamily="34" charset="-122"/>
             </a:endParaRPr>
           </a:p>
           <a:p>
             <a:r>
-              <a:rPr lang="zh-CN" altLang="en-US" sz="2000">
+              <a:rPr lang="zh-CN" altLang="en-US" sz="2000" dirty="0">
                 <a:latin typeface="微软雅黑" panose="020B0503020204020204" pitchFamily="34" charset="-122"/>
                 <a:ea typeface="微软雅黑" panose="020B0503020204020204" pitchFamily="34" charset="-122"/>
               </a:rPr>
               <a:t>区块链：去中心化，让互不信任的人就某项交易达成一致。</a:t>
             </a:r>
-            <a:endParaRPr lang="en-US" altLang="zh-CN" sz="2000">
+            <a:endParaRPr lang="en-US" altLang="zh-CN" sz="2000" dirty="0">
               <a:latin typeface="微软雅黑" panose="020B0503020204020204" pitchFamily="34" charset="-122"/>
               <a:ea typeface="微软雅黑" panose="020B0503020204020204" pitchFamily="34" charset="-122"/>
             </a:endParaRPr>
@@ -9147,13 +9239,13 @@
               <a:t>POW </a:t>
             </a:r>
             <a:r>
-              <a:rPr lang="zh-CN" altLang="en-US" sz="2000">
+              <a:rPr lang="zh-CN" altLang="en-US" sz="2000" dirty="0">
                 <a:latin typeface="微软雅黑" panose="020B0503020204020204" pitchFamily="34" charset="-122"/>
                 <a:ea typeface="微软雅黑" panose="020B0503020204020204" pitchFamily="34" charset="-122"/>
               </a:rPr>
               <a:t>获得记账权。</a:t>
             </a:r>
-            <a:endParaRPr lang="en-US" altLang="zh-CN" sz="2000">
+            <a:endParaRPr lang="en-US" altLang="zh-CN" sz="2000" dirty="0">
               <a:latin typeface="微软雅黑" panose="020B0503020204020204" pitchFamily="34" charset="-122"/>
               <a:ea typeface="微软雅黑" panose="020B0503020204020204" pitchFamily="34" charset="-122"/>
             </a:endParaRPr>
@@ -10117,21 +10209,7 @@
                 <a:latin typeface="微软雅黑" panose="020B0503020204020204" pitchFamily="34" charset="-122"/>
                 <a:ea typeface="微软雅黑" panose="020B0503020204020204" pitchFamily="34" charset="-122"/>
               </a:rPr>
-              <a:t>在这种模型下</a:t>
-            </a:r>
-            <a:r>
-              <a:rPr lang="en-US" altLang="zh-CN" sz="2000" dirty="0">
-                <a:latin typeface="微软雅黑" panose="020B0503020204020204" pitchFamily="34" charset="-122"/>
-                <a:ea typeface="微软雅黑" panose="020B0503020204020204" pitchFamily="34" charset="-122"/>
-              </a:rPr>
-              <a:t>, </a:t>
-            </a:r>
-            <a:r>
-              <a:rPr lang="zh-CN" altLang="en-US" sz="2000" dirty="0">
-                <a:latin typeface="微软雅黑" panose="020B0503020204020204" pitchFamily="34" charset="-122"/>
-                <a:ea typeface="微软雅黑" panose="020B0503020204020204" pitchFamily="34" charset="-122"/>
-              </a:rPr>
-              <a:t>期望能够解决什么问题呢</a:t>
+              <a:t>在这种模型下，我们期望能够解决什么问题呢</a:t>
             </a:r>
             <a:r>
               <a:rPr lang="en-US" altLang="zh-CN" sz="2000" dirty="0">
@@ -12572,27 +12650,27 @@
           <a:p>
             <a:r>
               <a:rPr lang="zh-CN" altLang="en-US" sz="2000">
-                <a:latin typeface="微软雅黑"/>
-                <a:ea typeface="微软雅黑"/>
+                <a:latin typeface="微软雅黑" panose="020B0503020204020204" pitchFamily="34" charset="-122"/>
+                <a:ea typeface="微软雅黑" panose="020B0503020204020204" pitchFamily="34" charset="-122"/>
               </a:rPr>
               <a:t>可靠发送：没有消息丢失，如果消息到达了某一个节点，则它一定要发送到所有节点。</a:t>
             </a:r>
             <a:endParaRPr lang="en-US" altLang="zh-CN" sz="2000">
-              <a:latin typeface="微软雅黑"/>
-              <a:ea typeface="微软雅黑"/>
+              <a:latin typeface="微软雅黑" panose="020B0503020204020204" pitchFamily="34" charset="-122"/>
+              <a:ea typeface="微软雅黑" panose="020B0503020204020204" pitchFamily="34" charset="-122"/>
             </a:endParaRPr>
           </a:p>
           <a:p>
             <a:r>
               <a:rPr lang="zh-CN" altLang="en-US" sz="2000">
-                <a:latin typeface="微软雅黑"/>
-                <a:ea typeface="微软雅黑"/>
+                <a:latin typeface="微软雅黑" panose="020B0503020204020204" pitchFamily="34" charset="-122"/>
+                <a:ea typeface="微软雅黑" panose="020B0503020204020204" pitchFamily="34" charset="-122"/>
               </a:rPr>
               <a:t>严格有序：消息总是以相同的顺序发送给每个节点。</a:t>
             </a:r>
             <a:endParaRPr lang="en-US" altLang="zh-CN" sz="2000">
-              <a:latin typeface="微软雅黑"/>
-              <a:ea typeface="微软雅黑"/>
+              <a:latin typeface="微软雅黑" panose="020B0503020204020204" pitchFamily="34" charset="-122"/>
+              <a:ea typeface="微软雅黑" panose="020B0503020204020204" pitchFamily="34" charset="-122"/>
             </a:endParaRPr>
           </a:p>
         </p:txBody>
@@ -12627,22 +12705,23 @@
           <a:p>
             <a:r>
               <a:rPr lang="zh-CN" altLang="en-US" sz="2000">
-                <a:latin typeface="微软雅黑"/>
-                <a:ea typeface="微软雅黑"/>
+                <a:latin typeface="微软雅黑" panose="020B0503020204020204" pitchFamily="34" charset="-122"/>
+                <a:ea typeface="微软雅黑" panose="020B0503020204020204" pitchFamily="34" charset="-122"/>
               </a:rPr>
               <a:t>全序关系广播</a:t>
             </a:r>
             <a:r>
               <a:rPr lang="zh-CN" sz="2000">
-                <a:ea typeface="+mn-lt"/>
+                <a:latin typeface="微软雅黑" panose="020B0503020204020204" pitchFamily="34" charset="-122"/>
+                <a:ea typeface="微软雅黑" panose="020B0503020204020204" pitchFamily="34" charset="-122"/>
                 <a:cs typeface="+mn-lt"/>
               </a:rPr>
               <a:t>（原子广播）</a:t>
             </a:r>
             <a:r>
               <a:rPr lang="zh-CN" altLang="en-US" sz="2000">
-                <a:latin typeface="微软雅黑"/>
-                <a:ea typeface="微软雅黑"/>
+                <a:latin typeface="微软雅黑" panose="020B0503020204020204" pitchFamily="34" charset="-122"/>
+                <a:ea typeface="微软雅黑" panose="020B0503020204020204" pitchFamily="34" charset="-122"/>
               </a:rPr>
               <a:t>如何实现呢？</a:t>
             </a:r>
@@ -12683,14 +12762,14 @@
           <a:p>
             <a:r>
               <a:rPr lang="zh-CN" altLang="en-US" sz="2000">
-                <a:latin typeface="微软雅黑"/>
-                <a:ea typeface="微软雅黑"/>
+                <a:latin typeface="微软雅黑" panose="020B0503020204020204" pitchFamily="34" charset="-122"/>
+                <a:ea typeface="微软雅黑" panose="020B0503020204020204" pitchFamily="34" charset="-122"/>
               </a:rPr>
               <a:t>即使节点或网络故障，全序关系广播也必须保证以上两条。算法要求继续重试，直到最终网络修复，消息以正确的顺序发送成功。</a:t>
             </a:r>
             <a:endParaRPr lang="en-US" altLang="zh-CN" sz="2000">
-              <a:latin typeface="微软雅黑"/>
-              <a:ea typeface="微软雅黑"/>
+              <a:latin typeface="微软雅黑" panose="020B0503020204020204" pitchFamily="34" charset="-122"/>
+              <a:ea typeface="微软雅黑" panose="020B0503020204020204" pitchFamily="34" charset="-122"/>
             </a:endParaRPr>
           </a:p>
         </p:txBody>
@@ -12848,36 +12927,39 @@
           </a:lstStyle>
           <a:p>
             <a:r>
-              <a:rPr lang="zh-CN" altLang="en-US" sz="2000">
-                <a:latin typeface="微软雅黑"/>
-                <a:ea typeface="微软雅黑"/>
+              <a:rPr lang="zh-CN" altLang="en-US" sz="2000" dirty="0">
+                <a:latin typeface="微软雅黑" panose="020B0503020204020204" pitchFamily="34" charset="-122"/>
+                <a:ea typeface="微软雅黑" panose="020B0503020204020204" pitchFamily="34" charset="-122"/>
               </a:rPr>
               <a:t>所有节点决定以相同的顺序发送相同的消息：</a:t>
             </a:r>
             <a:r>
-              <a:rPr lang="zh-CN" sz="2000">
-                <a:ea typeface="+mn-lt"/>
+              <a:rPr lang="zh-CN" sz="2000" dirty="0">
+                <a:latin typeface="微软雅黑" panose="020B0503020204020204" pitchFamily="34" charset="-122"/>
+                <a:ea typeface="微软雅黑" panose="020B0503020204020204" pitchFamily="34" charset="-122"/>
                 <a:cs typeface="+mn-lt"/>
               </a:rPr>
               <a:t>协商一致性</a:t>
             </a:r>
             <a:r>
-              <a:rPr lang="zh-CN" altLang="en-US" sz="2000">
-                <a:ea typeface="+mn-lt"/>
+              <a:rPr lang="zh-CN" altLang="en-US" sz="2000" dirty="0">
+                <a:latin typeface="微软雅黑" panose="020B0503020204020204" pitchFamily="34" charset="-122"/>
+                <a:ea typeface="微软雅黑" panose="020B0503020204020204" pitchFamily="34" charset="-122"/>
                 <a:cs typeface="+mn-lt"/>
               </a:rPr>
               <a:t>。</a:t>
             </a:r>
-            <a:endParaRPr lang="en-US" altLang="zh-CN" sz="2000">
-              <a:ea typeface="+mn-lt"/>
+            <a:endParaRPr lang="en-US" altLang="zh-CN" sz="2000" dirty="0">
+              <a:latin typeface="微软雅黑" panose="020B0503020204020204" pitchFamily="34" charset="-122"/>
+              <a:ea typeface="微软雅黑" panose="020B0503020204020204" pitchFamily="34" charset="-122"/>
               <a:cs typeface="+mn-lt"/>
             </a:endParaRPr>
           </a:p>
           <a:p>
             <a:r>
-              <a:rPr lang="zh-CN" altLang="en-US" sz="2000">
-                <a:latin typeface="微软雅黑"/>
-                <a:ea typeface="微软雅黑"/>
+              <a:rPr lang="zh-CN" altLang="en-US" sz="2000" dirty="0">
+                <a:latin typeface="微软雅黑" panose="020B0503020204020204" pitchFamily="34" charset="-122"/>
+                <a:ea typeface="微软雅黑" panose="020B0503020204020204" pitchFamily="34" charset="-122"/>
               </a:rPr>
               <a:t>消息不能重复发送：诚实性。</a:t>
             </a:r>
@@ -12888,58 +12970,61 @@
           </a:p>
           <a:p>
             <a:r>
-              <a:rPr lang="zh-CN" altLang="en-US" sz="2000">
-                <a:latin typeface="微软雅黑"/>
-                <a:ea typeface="微软雅黑"/>
+              <a:rPr lang="zh-CN" altLang="en-US" sz="2000" dirty="0">
+                <a:latin typeface="微软雅黑" panose="020B0503020204020204" pitchFamily="34" charset="-122"/>
+                <a:ea typeface="微软雅黑" panose="020B0503020204020204" pitchFamily="34" charset="-122"/>
               </a:rPr>
               <a:t>消息不会被破坏，也不是凭空捏造的</a:t>
             </a:r>
             <a:r>
-              <a:rPr lang="zh-CN" altLang="en-US" sz="2000">
-                <a:latin typeface="微软雅黑"/>
-                <a:ea typeface="微软雅黑"/>
+              <a:rPr lang="zh-CN" altLang="en-US" sz="2000" dirty="0">
+                <a:latin typeface="微软雅黑" panose="020B0503020204020204" pitchFamily="34" charset="-122"/>
+                <a:ea typeface="微软雅黑" panose="020B0503020204020204" pitchFamily="34" charset="-122"/>
                 <a:cs typeface="+mn-lt"/>
               </a:rPr>
               <a:t>：</a:t>
             </a:r>
             <a:r>
-              <a:rPr lang="zh-CN" sz="2000">
-                <a:ea typeface="+mn-lt"/>
+              <a:rPr lang="zh-CN" sz="2000" dirty="0">
+                <a:latin typeface="微软雅黑" panose="020B0503020204020204" pitchFamily="34" charset="-122"/>
+                <a:ea typeface="微软雅黑" panose="020B0503020204020204" pitchFamily="34" charset="-122"/>
                 <a:cs typeface="+mn-lt"/>
               </a:rPr>
               <a:t>合法性。</a:t>
             </a:r>
             <a:endParaRPr lang="en-US" altLang="zh-CN" sz="2000" dirty="0">
-              <a:ea typeface="+mn-lt"/>
+              <a:latin typeface="微软雅黑" panose="020B0503020204020204" pitchFamily="34" charset="-122"/>
+              <a:ea typeface="微软雅黑" panose="020B0503020204020204" pitchFamily="34" charset="-122"/>
               <a:cs typeface="+mn-lt"/>
             </a:endParaRPr>
           </a:p>
           <a:p>
             <a:r>
-              <a:rPr lang="zh-CN" altLang="en-US" sz="2000">
-                <a:latin typeface="微软雅黑"/>
-                <a:ea typeface="微软雅黑"/>
+              <a:rPr lang="zh-CN" altLang="en-US" sz="2000" dirty="0">
+                <a:latin typeface="微软雅黑" panose="020B0503020204020204" pitchFamily="34" charset="-122"/>
+                <a:ea typeface="微软雅黑" panose="020B0503020204020204" pitchFamily="34" charset="-122"/>
               </a:rPr>
               <a:t>消息不会丢失</a:t>
             </a:r>
             <a:r>
-              <a:rPr lang="zh-CN" altLang="en-US" sz="2000">
-                <a:latin typeface="微软雅黑"/>
-                <a:ea typeface="微软雅黑"/>
+              <a:rPr lang="zh-CN" altLang="en-US" sz="2000" dirty="0">
+                <a:latin typeface="微软雅黑" panose="020B0503020204020204" pitchFamily="34" charset="-122"/>
+                <a:ea typeface="微软雅黑" panose="020B0503020204020204" pitchFamily="34" charset="-122"/>
                 <a:cs typeface="+mn-lt"/>
               </a:rPr>
               <a:t>：</a:t>
             </a:r>
             <a:r>
-              <a:rPr lang="zh-CN" sz="2000">
-                <a:ea typeface="+mn-lt"/>
+              <a:rPr lang="zh-CN" sz="2000" dirty="0">
+                <a:latin typeface="微软雅黑" panose="020B0503020204020204" pitchFamily="34" charset="-122"/>
+                <a:ea typeface="微软雅黑" panose="020B0503020204020204" pitchFamily="34" charset="-122"/>
                 <a:cs typeface="+mn-lt"/>
               </a:rPr>
               <a:t>可终止性。</a:t>
             </a:r>
-            <a:endParaRPr lang="en-US" sz="2000">
-              <a:latin typeface="微软雅黑"/>
-              <a:ea typeface="微软雅黑"/>
+            <a:endParaRPr lang="en-US" sz="2000" dirty="0">
+              <a:latin typeface="微软雅黑" panose="020B0503020204020204" pitchFamily="34" charset="-122"/>
+              <a:ea typeface="微软雅黑" panose="020B0503020204020204" pitchFamily="34" charset="-122"/>
             </a:endParaRPr>
           </a:p>
         </p:txBody>
@@ -13068,28 +13153,29 @@
           <a:p>
             <a:r>
               <a:rPr lang="zh-CN" altLang="en-US" sz="2000">
-                <a:latin typeface="微软雅黑"/>
-                <a:ea typeface="微软雅黑"/>
+                <a:latin typeface="微软雅黑" panose="020B0503020204020204" pitchFamily="34" charset="-122"/>
+                <a:ea typeface="微软雅黑" panose="020B0503020204020204" pitchFamily="34" charset="-122"/>
               </a:rPr>
               <a:t>全序关系广播</a:t>
             </a:r>
             <a:r>
               <a:rPr lang="zh-CN" sz="2000">
-                <a:ea typeface="+mn-lt"/>
+                <a:latin typeface="微软雅黑" panose="020B0503020204020204" pitchFamily="34" charset="-122"/>
+                <a:ea typeface="微软雅黑" panose="020B0503020204020204" pitchFamily="34" charset="-122"/>
                 <a:cs typeface="+mn-lt"/>
               </a:rPr>
               <a:t>（原子广播）</a:t>
             </a:r>
             <a:r>
               <a:rPr lang="zh-CN" altLang="en-US" sz="2000">
-                <a:latin typeface="微软雅黑"/>
-                <a:ea typeface="微软雅黑"/>
+                <a:latin typeface="微软雅黑" panose="020B0503020204020204" pitchFamily="34" charset="-122"/>
+                <a:ea typeface="微软雅黑" panose="020B0503020204020204" pitchFamily="34" charset="-122"/>
               </a:rPr>
               <a:t>相当于持续的多轮共识</a:t>
             </a:r>
             <a:endParaRPr lang="en-US" altLang="zh-CN" sz="2000">
-              <a:latin typeface="微软雅黑"/>
-              <a:ea typeface="微软雅黑"/>
+              <a:latin typeface="微软雅黑" panose="020B0503020204020204" pitchFamily="34" charset="-122"/>
+              <a:ea typeface="微软雅黑" panose="020B0503020204020204" pitchFamily="34" charset="-122"/>
             </a:endParaRPr>
           </a:p>
         </p:txBody>
@@ -13452,155 +13538,155 @@
           <a:p>
             <a:r>
               <a:rPr lang="en-US" altLang="zh-CN" sz="2000" dirty="0">
-                <a:latin typeface="微软雅黑"/>
-                <a:ea typeface="微软雅黑"/>
+                <a:latin typeface="微软雅黑" panose="020B0503020204020204" pitchFamily="34" charset="-122"/>
+                <a:ea typeface="微软雅黑" panose="020B0503020204020204" pitchFamily="34" charset="-122"/>
               </a:rPr>
               <a:t>Leader </a:t>
             </a:r>
             <a:r>
               <a:rPr lang="zh-CN" altLang="en-US" sz="2000" dirty="0">
-                <a:latin typeface="微软雅黑"/>
-                <a:ea typeface="微软雅黑"/>
+                <a:latin typeface="微软雅黑" panose="020B0503020204020204" pitchFamily="34" charset="-122"/>
+                <a:ea typeface="微软雅黑" panose="020B0503020204020204" pitchFamily="34" charset="-122"/>
               </a:rPr>
               <a:t>向所有 </a:t>
             </a:r>
             <a:r>
               <a:rPr lang="en-US" altLang="zh-CN" sz="2000" dirty="0">
-                <a:latin typeface="微软雅黑"/>
-                <a:ea typeface="微软雅黑"/>
+                <a:latin typeface="微软雅黑" panose="020B0503020204020204" pitchFamily="34" charset="-122"/>
+                <a:ea typeface="微软雅黑" panose="020B0503020204020204" pitchFamily="34" charset="-122"/>
               </a:rPr>
               <a:t>Follower </a:t>
             </a:r>
             <a:r>
               <a:rPr lang="zh-CN" altLang="en-US" sz="2000" dirty="0">
-                <a:latin typeface="微软雅黑"/>
-                <a:ea typeface="微软雅黑"/>
+                <a:latin typeface="微软雅黑" panose="020B0503020204020204" pitchFamily="34" charset="-122"/>
+                <a:ea typeface="微软雅黑" panose="020B0503020204020204" pitchFamily="34" charset="-122"/>
               </a:rPr>
               <a:t>发送一个 </a:t>
             </a:r>
             <a:r>
               <a:rPr lang="en-US" altLang="zh-CN" sz="2000" dirty="0">
-                <a:latin typeface="微软雅黑"/>
-                <a:ea typeface="微软雅黑"/>
+                <a:latin typeface="微软雅黑" panose="020B0503020204020204" pitchFamily="34" charset="-122"/>
+                <a:ea typeface="微软雅黑" panose="020B0503020204020204" pitchFamily="34" charset="-122"/>
               </a:rPr>
               <a:t>Proposal </a:t>
             </a:r>
             <a:r>
               <a:rPr lang="zh-CN" altLang="en-US" sz="2000" dirty="0">
-                <a:latin typeface="微软雅黑"/>
-                <a:ea typeface="微软雅黑"/>
+                <a:latin typeface="微软雅黑" panose="020B0503020204020204" pitchFamily="34" charset="-122"/>
+                <a:ea typeface="微软雅黑" panose="020B0503020204020204" pitchFamily="34" charset="-122"/>
               </a:rPr>
               <a:t>消息 </a:t>
             </a:r>
             <a:r>
-              <a:rPr lang="en-US" altLang="zh-CN" sz="2000">
-                <a:latin typeface="微软雅黑"/>
-                <a:ea typeface="微软雅黑"/>
+              <a:rPr lang="en-US" altLang="zh-CN" sz="2000" dirty="0">
+                <a:latin typeface="微软雅黑" panose="020B0503020204020204" pitchFamily="34" charset="-122"/>
+                <a:ea typeface="微软雅黑" panose="020B0503020204020204" pitchFamily="34" charset="-122"/>
               </a:rPr>
               <a:t>p。</a:t>
             </a:r>
-            <a:endParaRPr lang="zh-CN" altLang="en-US" sz="2000">
-              <a:latin typeface="微软雅黑"/>
-              <a:ea typeface="微软雅黑"/>
+            <a:endParaRPr lang="zh-CN" altLang="en-US" sz="2000" dirty="0">
+              <a:latin typeface="微软雅黑" panose="020B0503020204020204" pitchFamily="34" charset="-122"/>
+              <a:ea typeface="微软雅黑" panose="020B0503020204020204" pitchFamily="34" charset="-122"/>
             </a:endParaRPr>
           </a:p>
           <a:p>
             <a:r>
               <a:rPr lang="zh-CN" altLang="en-US" sz="2000" dirty="0">
-                <a:latin typeface="微软雅黑"/>
-                <a:ea typeface="微软雅黑"/>
+                <a:latin typeface="微软雅黑" panose="020B0503020204020204" pitchFamily="34" charset="-122"/>
+                <a:ea typeface="微软雅黑" panose="020B0503020204020204" pitchFamily="34" charset="-122"/>
               </a:rPr>
               <a:t>当一个 </a:t>
             </a:r>
             <a:r>
               <a:rPr lang="en-US" altLang="zh-CN" sz="2000" dirty="0">
-                <a:latin typeface="微软雅黑"/>
-                <a:ea typeface="微软雅黑"/>
+                <a:latin typeface="微软雅黑" panose="020B0503020204020204" pitchFamily="34" charset="-122"/>
+                <a:ea typeface="微软雅黑" panose="020B0503020204020204" pitchFamily="34" charset="-122"/>
               </a:rPr>
               <a:t>Follower </a:t>
             </a:r>
             <a:r>
               <a:rPr lang="zh-CN" altLang="en-US" sz="2000" dirty="0">
-                <a:latin typeface="微软雅黑"/>
-                <a:ea typeface="微软雅黑"/>
+                <a:latin typeface="微软雅黑" panose="020B0503020204020204" pitchFamily="34" charset="-122"/>
+                <a:ea typeface="微软雅黑" panose="020B0503020204020204" pitchFamily="34" charset="-122"/>
               </a:rPr>
               <a:t>接收到消息 </a:t>
             </a:r>
             <a:r>
               <a:rPr lang="en-US" altLang="zh-CN" sz="2000" dirty="0">
-                <a:latin typeface="微软雅黑"/>
-                <a:ea typeface="微软雅黑"/>
+                <a:latin typeface="微软雅黑" panose="020B0503020204020204" pitchFamily="34" charset="-122"/>
+                <a:ea typeface="微软雅黑" panose="020B0503020204020204" pitchFamily="34" charset="-122"/>
               </a:rPr>
               <a:t>p </a:t>
             </a:r>
             <a:r>
               <a:rPr lang="zh-CN" altLang="en-US" sz="2000" dirty="0">
-                <a:latin typeface="微软雅黑"/>
-                <a:ea typeface="微软雅黑"/>
+                <a:latin typeface="微软雅黑" panose="020B0503020204020204" pitchFamily="34" charset="-122"/>
+                <a:ea typeface="微软雅黑" panose="020B0503020204020204" pitchFamily="34" charset="-122"/>
               </a:rPr>
               <a:t>后，会响应 </a:t>
             </a:r>
             <a:r>
               <a:rPr lang="en-US" altLang="zh-CN" sz="2000" dirty="0">
-                <a:latin typeface="微软雅黑"/>
-                <a:ea typeface="微软雅黑"/>
+                <a:latin typeface="微软雅黑" panose="020B0503020204020204" pitchFamily="34" charset="-122"/>
+                <a:ea typeface="微软雅黑" panose="020B0503020204020204" pitchFamily="34" charset="-122"/>
               </a:rPr>
               <a:t>Leader </a:t>
             </a:r>
             <a:r>
               <a:rPr lang="zh-CN" altLang="en-US" sz="2000" dirty="0">
-                <a:latin typeface="微软雅黑"/>
-                <a:ea typeface="微软雅黑"/>
+                <a:latin typeface="微软雅黑" panose="020B0503020204020204" pitchFamily="34" charset="-122"/>
+                <a:ea typeface="微软雅黑" panose="020B0503020204020204" pitchFamily="34" charset="-122"/>
               </a:rPr>
               <a:t>一个 </a:t>
             </a:r>
             <a:r>
-              <a:rPr lang="en-US" altLang="zh-CN" sz="2000">
-                <a:latin typeface="微软雅黑"/>
-                <a:ea typeface="微软雅黑"/>
+              <a:rPr lang="en-US" altLang="zh-CN" sz="2000" dirty="0">
+                <a:latin typeface="微软雅黑" panose="020B0503020204020204" pitchFamily="34" charset="-122"/>
+                <a:ea typeface="微软雅黑" panose="020B0503020204020204" pitchFamily="34" charset="-122"/>
               </a:rPr>
               <a:t>ACK。</a:t>
             </a:r>
           </a:p>
           <a:p>
             <a:r>
-              <a:rPr lang="zh-CN" altLang="en-US" sz="2000">
-                <a:latin typeface="微软雅黑"/>
-                <a:ea typeface="微软雅黑"/>
+              <a:rPr lang="zh-CN" altLang="en-US" sz="2000" dirty="0">
+                <a:latin typeface="微软雅黑" panose="020B0503020204020204" pitchFamily="34" charset="-122"/>
+                <a:ea typeface="微软雅黑" panose="020B0503020204020204" pitchFamily="34" charset="-122"/>
               </a:rPr>
               <a:t>当收到仲裁量的服务器发送的确认消息后，</a:t>
             </a:r>
             <a:r>
-              <a:rPr lang="en-US" altLang="zh-CN" sz="2000">
-                <a:latin typeface="微软雅黑"/>
-                <a:ea typeface="微软雅黑"/>
+              <a:rPr lang="en-US" altLang="zh-CN" sz="2000" dirty="0">
+                <a:latin typeface="微软雅黑" panose="020B0503020204020204" pitchFamily="34" charset="-122"/>
+                <a:ea typeface="微软雅黑" panose="020B0503020204020204" pitchFamily="34" charset="-122"/>
               </a:rPr>
               <a:t>Leader </a:t>
             </a:r>
             <a:r>
               <a:rPr lang="zh-CN" altLang="en-US" sz="2000" dirty="0">
-                <a:latin typeface="微软雅黑"/>
-                <a:ea typeface="微软雅黑"/>
+                <a:latin typeface="微软雅黑" panose="020B0503020204020204" pitchFamily="34" charset="-122"/>
+                <a:ea typeface="微软雅黑" panose="020B0503020204020204" pitchFamily="34" charset="-122"/>
               </a:rPr>
               <a:t>就发送消息通知 </a:t>
             </a:r>
             <a:r>
               <a:rPr lang="en-US" altLang="zh-CN" sz="2000" dirty="0">
-                <a:latin typeface="微软雅黑"/>
-                <a:ea typeface="微软雅黑"/>
+                <a:latin typeface="微软雅黑" panose="020B0503020204020204" pitchFamily="34" charset="-122"/>
+                <a:ea typeface="微软雅黑" panose="020B0503020204020204" pitchFamily="34" charset="-122"/>
               </a:rPr>
               <a:t>Follower </a:t>
             </a:r>
             <a:r>
               <a:rPr lang="zh-CN" altLang="en-US" sz="2000" dirty="0">
-                <a:latin typeface="微软雅黑"/>
-                <a:ea typeface="微软雅黑"/>
+                <a:latin typeface="微软雅黑" panose="020B0503020204020204" pitchFamily="34" charset="-122"/>
+                <a:ea typeface="微软雅黑" panose="020B0503020204020204" pitchFamily="34" charset="-122"/>
               </a:rPr>
               <a:t>进行提交。</a:t>
             </a:r>
             <a:endParaRPr lang="en-US" altLang="zh-CN" sz="2000" dirty="0">
-              <a:latin typeface="微软雅黑"/>
-              <a:ea typeface="微软雅黑"/>
+              <a:latin typeface="微软雅黑" panose="020B0503020204020204" pitchFamily="34" charset="-122"/>
+              <a:ea typeface="微软雅黑" panose="020B0503020204020204" pitchFamily="34" charset="-122"/>
             </a:endParaRPr>
           </a:p>
         </p:txBody>
@@ -13776,58 +13862,59 @@
           <a:lstStyle/>
           <a:p>
             <a:r>
-              <a:rPr lang="en-US" altLang="zh-CN" sz="2000">
-                <a:latin typeface="微软雅黑"/>
-                <a:ea typeface="微软雅黑"/>
+              <a:rPr lang="en-US" altLang="zh-CN" sz="2000" dirty="0">
+                <a:latin typeface="微软雅黑" panose="020B0503020204020204" pitchFamily="34" charset="-122"/>
+                <a:ea typeface="微软雅黑" panose="020B0503020204020204" pitchFamily="34" charset="-122"/>
               </a:rPr>
               <a:t>ZooKeeper：</a:t>
             </a:r>
             <a:r>
-              <a:rPr lang="zh-CN" altLang="en-US" sz="2000">
-                <a:latin typeface="微软雅黑"/>
-                <a:ea typeface="微软雅黑"/>
+              <a:rPr lang="zh-CN" altLang="en-US" sz="2000" dirty="0">
+                <a:latin typeface="微软雅黑" panose="020B0503020204020204" pitchFamily="34" charset="-122"/>
+                <a:ea typeface="微软雅黑" panose="020B0503020204020204" pitchFamily="34" charset="-122"/>
               </a:rPr>
               <a:t>内嵌 Zab - </a:t>
             </a:r>
             <a:r>
-              <a:rPr lang="en-US" altLang="zh-CN" sz="2000">
-                <a:ea typeface="+mn-lt"/>
+              <a:rPr lang="en-US" altLang="zh-CN" sz="2000" dirty="0">
+                <a:latin typeface="微软雅黑" panose="020B0503020204020204" pitchFamily="34" charset="-122"/>
+                <a:ea typeface="微软雅黑" panose="020B0503020204020204" pitchFamily="34" charset="-122"/>
                 <a:cs typeface="+mn-lt"/>
               </a:rPr>
               <a:t>ZooKeeper Atomic Broadcast protocol</a:t>
             </a:r>
             <a:r>
-              <a:rPr lang="en-US" altLang="zh-CN" sz="2000">
-                <a:latin typeface="等线"/>
-                <a:ea typeface="等线"/>
+              <a:rPr lang="en-US" altLang="zh-CN" sz="2000" dirty="0">
+                <a:latin typeface="微软雅黑" panose="020B0503020204020204" pitchFamily="34" charset="-122"/>
+                <a:ea typeface="微软雅黑" panose="020B0503020204020204" pitchFamily="34" charset="-122"/>
               </a:rPr>
               <a:t> -</a:t>
             </a:r>
             <a:r>
               <a:rPr lang="zh-CN" altLang="en-US" sz="2000" dirty="0">
-                <a:latin typeface="微软雅黑"/>
-                <a:ea typeface="微软雅黑"/>
+                <a:latin typeface="微软雅黑" panose="020B0503020204020204" pitchFamily="34" charset="-122"/>
+                <a:ea typeface="微软雅黑" panose="020B0503020204020204" pitchFamily="34" charset="-122"/>
               </a:rPr>
               <a:t> </a:t>
             </a:r>
             <a:r>
-              <a:rPr lang="en-US" altLang="zh-CN" sz="2000">
-                <a:latin typeface="微软雅黑"/>
-                <a:ea typeface="微软雅黑"/>
+              <a:rPr lang="en-US" altLang="zh-CN" sz="2000" dirty="0">
+                <a:latin typeface="微软雅黑" panose="020B0503020204020204" pitchFamily="34" charset="-122"/>
+                <a:ea typeface="微软雅黑" panose="020B0503020204020204" pitchFamily="34" charset="-122"/>
               </a:rPr>
               <a:t>ZooKeeper </a:t>
             </a:r>
             <a:r>
-              <a:rPr lang="zh-CN" altLang="en-US" sz="2000">
-                <a:latin typeface="微软雅黑"/>
-                <a:ea typeface="微软雅黑"/>
+              <a:rPr lang="zh-CN" altLang="en-US" sz="2000" dirty="0">
+                <a:latin typeface="微软雅黑" panose="020B0503020204020204" pitchFamily="34" charset="-122"/>
+                <a:ea typeface="微软雅黑" panose="020B0503020204020204" pitchFamily="34" charset="-122"/>
               </a:rPr>
               <a:t>原子广播协议</a:t>
             </a:r>
             <a:r>
-              <a:rPr lang="en-US" altLang="zh-CN" sz="2000">
-                <a:latin typeface="微软雅黑"/>
-                <a:ea typeface="微软雅黑"/>
+              <a:rPr lang="en-US" altLang="zh-CN" sz="2000" dirty="0">
+                <a:latin typeface="微软雅黑" panose="020B0503020204020204" pitchFamily="34" charset="-122"/>
+                <a:ea typeface="微软雅黑" panose="020B0503020204020204" pitchFamily="34" charset="-122"/>
               </a:rPr>
               <a:t>。</a:t>
             </a:r>
@@ -13864,14 +13951,14 @@
           <a:p>
             <a:r>
               <a:rPr lang="zh-CN" altLang="en-US" sz="2000">
-                <a:latin typeface="微软雅黑"/>
-                <a:ea typeface="微软雅黑"/>
+                <a:latin typeface="微软雅黑" panose="020B0503020204020204" pitchFamily="34" charset="-122"/>
+                <a:ea typeface="微软雅黑" panose="020B0503020204020204" pitchFamily="34" charset="-122"/>
               </a:rPr>
               <a:t>实现 Zab</a:t>
             </a:r>
             <a:endParaRPr lang="en-US" altLang="zh-CN" sz="2000">
-              <a:latin typeface="微软雅黑"/>
-              <a:ea typeface="微软雅黑"/>
+              <a:latin typeface="微软雅黑" panose="020B0503020204020204" pitchFamily="34" charset="-122"/>
+              <a:ea typeface="微软雅黑" panose="020B0503020204020204" pitchFamily="34" charset="-122"/>
             </a:endParaRPr>
           </a:p>
         </p:txBody>
@@ -13961,13 +14048,13 @@
           <a:lstStyle/>
           <a:p>
             <a:r>
-              <a:rPr lang="zh-CN" altLang="en-US" sz="2000">
+              <a:rPr lang="zh-CN" altLang="en-US" sz="2000" dirty="0">
                 <a:latin typeface="微软雅黑"/>
                 <a:ea typeface="微软雅黑"/>
               </a:rPr>
               <a:t>设计目标</a:t>
             </a:r>
-            <a:endParaRPr lang="en-US" altLang="zh-CN" sz="2000">
+            <a:endParaRPr lang="en-US" altLang="zh-CN" sz="2000" dirty="0">
               <a:latin typeface="微软雅黑"/>
               <a:ea typeface="微软雅黑"/>
             </a:endParaRPr>
@@ -14029,7 +14116,7 @@
         </p:nvSpPr>
         <p:spPr>
           <a:xfrm>
-            <a:off x="505974" y="1069647"/>
+            <a:off x="505975" y="851532"/>
             <a:ext cx="10319481" cy="400110"/>
           </a:xfrm>
           <a:prstGeom prst="rect">
@@ -14044,20 +14131,20 @@
           <a:lstStyle/>
           <a:p>
             <a:r>
-              <a:rPr lang="en-US" altLang="zh-CN" sz="2000">
+              <a:rPr lang="en-US" altLang="zh-CN" sz="2000" dirty="0">
                 <a:latin typeface="微软雅黑"/>
                 <a:ea typeface="微软雅黑"/>
               </a:rPr>
               <a:t>ZooKeeper </a:t>
             </a:r>
             <a:r>
-              <a:rPr lang="zh-CN" altLang="en-US" sz="2000">
+              <a:rPr lang="zh-CN" altLang="en-US" sz="2000" dirty="0">
                 <a:latin typeface="微软雅黑"/>
                 <a:ea typeface="微软雅黑"/>
               </a:rPr>
               <a:t>是一个用于分布式应用程序的开源分布式协调服务。</a:t>
             </a:r>
-            <a:endParaRPr lang="en-US" altLang="zh-CN" sz="2000">
+            <a:endParaRPr lang="en-US" altLang="zh-CN" sz="2000" dirty="0">
               <a:latin typeface="微软雅黑"/>
               <a:ea typeface="微软雅黑"/>
             </a:endParaRPr>
@@ -14093,38 +14180,11 @@
           <a:lstStyle/>
           <a:p>
             <a:r>
-              <a:rPr lang="zh-CN" altLang="en-US" sz="2000">
-                <a:latin typeface="微软雅黑"/>
-                <a:ea typeface="微软雅黑"/>
+              <a:rPr lang="zh-CN" altLang="en-US" sz="2000" dirty="0">
+                <a:latin typeface="微软雅黑" panose="020B0503020204020204" pitchFamily="34" charset="-122"/>
+                <a:ea typeface="微软雅黑" panose="020B0503020204020204" pitchFamily="34" charset="-122"/>
               </a:rPr>
               <a:t>简单</a:t>
-            </a:r>
-            <a:endParaRPr lang="en-US" altLang="zh-CN" sz="2000">
-              <a:latin typeface="微软雅黑"/>
-              <a:ea typeface="微软雅黑"/>
-            </a:endParaRPr>
-          </a:p>
-          <a:p>
-            <a:r>
-              <a:rPr lang="zh-CN" altLang="en-US" sz="2000" dirty="0">
-                <a:latin typeface="微软雅黑"/>
-                <a:ea typeface="微软雅黑"/>
-              </a:rPr>
-              <a:t>多节点 </a:t>
-            </a:r>
-            <a:r>
-              <a:rPr lang="en-US" altLang="zh-CN" sz="2000" dirty="0">
-                <a:latin typeface="微软雅黑"/>
-                <a:ea typeface="微软雅黑"/>
-              </a:rPr>
-              <a:t>/ </a:t>
-            </a:r>
-            <a:r>
-              <a:rPr lang="zh-CN" altLang="en-US" sz="2000">
-                <a:latin typeface="微软雅黑"/>
-                <a:ea typeface="微软雅黑"/>
-              </a:rPr>
-              <a:t>多副本</a:t>
             </a:r>
             <a:endParaRPr lang="en-US" altLang="zh-CN" sz="2000" dirty="0">
               <a:latin typeface="微软雅黑" panose="020B0503020204020204" pitchFamily="34" charset="-122"/>
@@ -14137,7 +14197,21 @@
                 <a:latin typeface="微软雅黑" panose="020B0503020204020204" pitchFamily="34" charset="-122"/>
                 <a:ea typeface="微软雅黑" panose="020B0503020204020204" pitchFamily="34" charset="-122"/>
               </a:rPr>
-              <a:t>有序</a:t>
+              <a:t>多节点 </a:t>
+            </a:r>
+            <a:r>
+              <a:rPr lang="en-US" altLang="zh-CN" sz="2000" dirty="0">
+                <a:latin typeface="微软雅黑" panose="020B0503020204020204" pitchFamily="34" charset="-122"/>
+                <a:ea typeface="微软雅黑" panose="020B0503020204020204" pitchFamily="34" charset="-122"/>
+              </a:rPr>
+              <a:t>/ </a:t>
+            </a:r>
+            <a:r>
+              <a:rPr lang="zh-CN" altLang="en-US" sz="2000" dirty="0">
+                <a:latin typeface="微软雅黑" panose="020B0503020204020204" pitchFamily="34" charset="-122"/>
+                <a:ea typeface="微软雅黑" panose="020B0503020204020204" pitchFamily="34" charset="-122"/>
+              </a:rPr>
+              <a:t>多副本</a:t>
             </a:r>
             <a:endParaRPr lang="en-US" altLang="zh-CN" sz="2000" dirty="0">
               <a:latin typeface="微软雅黑" panose="020B0503020204020204" pitchFamily="34" charset="-122"/>
@@ -14146,21 +14220,36 @@
           </a:p>
           <a:p>
             <a:r>
-              <a:rPr lang="zh-CN" altLang="en-US" sz="2000">
-                <a:latin typeface="微软雅黑"/>
-                <a:ea typeface="微软雅黑"/>
+              <a:rPr lang="zh-CN" altLang="en-US" sz="2000" dirty="0">
+                <a:latin typeface="微软雅黑" panose="020B0503020204020204" pitchFamily="34" charset="-122"/>
+                <a:ea typeface="微软雅黑" panose="020B0503020204020204" pitchFamily="34" charset="-122"/>
+              </a:rPr>
+              <a:t>有序</a:t>
+            </a:r>
+            <a:endParaRPr lang="en-US" altLang="zh-CN" sz="2000" dirty="0">
+              <a:latin typeface="微软雅黑" panose="020B0503020204020204" pitchFamily="34" charset="-122"/>
+              <a:ea typeface="微软雅黑" panose="020B0503020204020204" pitchFamily="34" charset="-122"/>
+            </a:endParaRPr>
+          </a:p>
+          <a:p>
+            <a:r>
+              <a:rPr lang="zh-CN" altLang="en-US" sz="2000" dirty="0">
+                <a:latin typeface="微软雅黑" panose="020B0503020204020204" pitchFamily="34" charset="-122"/>
+                <a:ea typeface="微软雅黑" panose="020B0503020204020204" pitchFamily="34" charset="-122"/>
               </a:rPr>
               <a:t>高性能，</a:t>
             </a:r>
             <a:r>
-              <a:rPr lang="zh-CN" sz="2000">
-                <a:ea typeface="+mn-lt"/>
+              <a:rPr lang="zh-CN" sz="2000" dirty="0">
+                <a:latin typeface="微软雅黑" panose="020B0503020204020204" pitchFamily="34" charset="-122"/>
+                <a:ea typeface="微软雅黑" panose="020B0503020204020204" pitchFamily="34" charset="-122"/>
                 <a:cs typeface="+mn-lt"/>
               </a:rPr>
               <a:t>高可靠</a:t>
             </a:r>
             <a:endParaRPr lang="en-US" altLang="zh-CN" sz="2000" dirty="0">
-              <a:ea typeface="+mn-lt"/>
+              <a:latin typeface="微软雅黑" panose="020B0503020204020204" pitchFamily="34" charset="-122"/>
+              <a:ea typeface="微软雅黑" panose="020B0503020204020204" pitchFamily="34" charset="-122"/>
               <a:cs typeface="+mn-lt"/>
             </a:endParaRPr>
           </a:p>
@@ -14570,28 +14659,20 @@
           <a:p>
             <a:r>
               <a:rPr lang="en-US" altLang="zh-CN" sz="2000">
-                <a:latin typeface="微软雅黑"/>
-                <a:ea typeface="微软雅黑"/>
+                <a:latin typeface="微软雅黑" panose="020B0503020204020204" pitchFamily="34" charset="-122"/>
+                <a:ea typeface="微软雅黑" panose="020B0503020204020204" pitchFamily="34" charset="-122"/>
               </a:rPr>
               <a:t>ACL - 访问控制列表</a:t>
             </a:r>
-            <a:endParaRPr lang="en-US" altLang="zh-CN" sz="2000">
-              <a:latin typeface="微软雅黑" panose="020B0503020204020204" pitchFamily="34" charset="-122"/>
-              <a:ea typeface="微软雅黑" panose="020B0503020204020204" pitchFamily="34" charset="-122"/>
-            </a:endParaRPr>
           </a:p>
           <a:p>
             <a:r>
               <a:rPr lang="en-US" altLang="zh-CN" sz="2000">
-                <a:latin typeface="微软雅黑"/>
-                <a:ea typeface="微软雅黑"/>
+                <a:latin typeface="微软雅黑" panose="020B0503020204020204" pitchFamily="34" charset="-122"/>
+                <a:ea typeface="微软雅黑" panose="020B0503020204020204" pitchFamily="34" charset="-122"/>
               </a:rPr>
               <a:t>scheme（权限模式）：id（授权对象）：permission（权限）</a:t>
             </a:r>
-            <a:endParaRPr lang="en-US" altLang="zh-CN" sz="2000">
-              <a:latin typeface="微软雅黑" panose="020B0503020204020204" pitchFamily="34" charset="-122"/>
-              <a:ea typeface="微软雅黑" panose="020B0503020204020204" pitchFamily="34" charset="-122"/>
-            </a:endParaRPr>
           </a:p>
         </p:txBody>
       </p:sp>
@@ -14625,14 +14706,14 @@
           <a:p>
             <a:r>
               <a:rPr lang="zh-CN" altLang="en-US" sz="2000">
-                <a:latin typeface="微软雅黑"/>
-                <a:ea typeface="微软雅黑"/>
+                <a:latin typeface="微软雅黑" panose="020B0503020204020204" pitchFamily="34" charset="-122"/>
+                <a:ea typeface="微软雅黑" panose="020B0503020204020204" pitchFamily="34" charset="-122"/>
               </a:rPr>
               <a:t>权限控制</a:t>
             </a:r>
             <a:endParaRPr lang="zh-CN" altLang="en-US" sz="2000" dirty="0">
-              <a:latin typeface="微软雅黑"/>
-              <a:ea typeface="微软雅黑"/>
+              <a:latin typeface="微软雅黑" panose="020B0503020204020204" pitchFamily="34" charset="-122"/>
+              <a:ea typeface="微软雅黑" panose="020B0503020204020204" pitchFamily="34" charset="-122"/>
             </a:endParaRPr>
           </a:p>
         </p:txBody>
@@ -14667,12 +14748,15 @@
           <a:p>
             <a:r>
               <a:rPr lang="en-US" altLang="zh-CN" sz="2000">
-                <a:latin typeface="微软雅黑"/>
-                <a:ea typeface="微软雅黑"/>
+                <a:latin typeface="微软雅黑" panose="020B0503020204020204" pitchFamily="34" charset="-122"/>
+                <a:ea typeface="微软雅黑" panose="020B0503020204020204" pitchFamily="34" charset="-122"/>
               </a:rPr>
               <a:t>ip:192.168.0.1/24:cr</a:t>
             </a:r>
-            <a:endParaRPr lang="en-US"/>
+            <a:endParaRPr lang="en-US">
+              <a:latin typeface="微软雅黑" panose="020B0503020204020204" pitchFamily="34" charset="-122"/>
+              <a:ea typeface="微软雅黑" panose="020B0503020204020204" pitchFamily="34" charset="-122"/>
+            </a:endParaRPr>
           </a:p>
         </p:txBody>
       </p:sp>
@@ -14706,12 +14790,15 @@
           <a:p>
             <a:r>
               <a:rPr lang="en-US" altLang="zh-CN" sz="2000">
-                <a:latin typeface="微软雅黑"/>
-                <a:ea typeface="微软雅黑"/>
+                <a:latin typeface="微软雅黑" panose="020B0503020204020204" pitchFamily="34" charset="-122"/>
+                <a:ea typeface="微软雅黑" panose="020B0503020204020204" pitchFamily="34" charset="-122"/>
               </a:rPr>
               <a:t>digest:tom:MiGs3Eiy1pP4rvH1Q1NwbP+oUF8=:cdrw</a:t>
             </a:r>
-            <a:endParaRPr lang="en-US"/>
+            <a:endParaRPr lang="en-US">
+              <a:latin typeface="微软雅黑" panose="020B0503020204020204" pitchFamily="34" charset="-122"/>
+              <a:ea typeface="微软雅黑" panose="020B0503020204020204" pitchFamily="34" charset="-122"/>
+            </a:endParaRPr>
           </a:p>
         </p:txBody>
       </p:sp>
@@ -14745,12 +14832,15 @@
           <a:p>
             <a:r>
               <a:rPr lang="en-US" altLang="zh-CN" sz="2000">
-                <a:latin typeface="微软雅黑"/>
-                <a:ea typeface="微软雅黑"/>
+                <a:latin typeface="微软雅黑" panose="020B0503020204020204" pitchFamily="34" charset="-122"/>
+                <a:ea typeface="微软雅黑" panose="020B0503020204020204" pitchFamily="34" charset="-122"/>
               </a:rPr>
               <a:t>world:anyone</a:t>
             </a:r>
-            <a:endParaRPr lang="en-US"/>
+            <a:endParaRPr lang="en-US">
+              <a:latin typeface="微软雅黑" panose="020B0503020204020204" pitchFamily="34" charset="-122"/>
+              <a:ea typeface="微软雅黑" panose="020B0503020204020204" pitchFamily="34" charset="-122"/>
+            </a:endParaRPr>
           </a:p>
         </p:txBody>
       </p:sp>
@@ -14784,14 +14874,15 @@
           <a:p>
             <a:r>
               <a:rPr lang="en-US" altLang="zh-CN" sz="2000">
-                <a:latin typeface="微软雅黑"/>
-                <a:ea typeface="微软雅黑"/>
+                <a:latin typeface="微软雅黑" panose="020B0503020204020204" pitchFamily="34" charset="-122"/>
+                <a:ea typeface="微软雅黑" panose="020B0503020204020204" pitchFamily="34" charset="-122"/>
               </a:rPr>
               <a:t>super:</a:t>
             </a:r>
             <a:r>
               <a:rPr lang="en-US" sz="2000">
-                <a:ea typeface="+mn-lt"/>
+                <a:latin typeface="微软雅黑" panose="020B0503020204020204" pitchFamily="34" charset="-122"/>
+                <a:ea typeface="微软雅黑" panose="020B0503020204020204" pitchFamily="34" charset="-122"/>
                 <a:cs typeface="+mn-lt"/>
               </a:rPr>
               <a:t>tom:MiGs3Eiy1pP4rvH1Q1NwbP+oUF8=:cdrwa</a:t>
@@ -15067,7 +15158,7 @@
                 <a:latin typeface="微软雅黑" panose="020B0503020204020204" pitchFamily="34" charset="-122"/>
                 <a:ea typeface="微软雅黑" panose="020B0503020204020204" pitchFamily="34" charset="-122"/>
               </a:rPr>
-              <a:t>数据应用开发遇到的复杂状况</a:t>
+              <a:t>开发和运维数据库时遇到的复杂状况</a:t>
             </a:r>
             <a:endParaRPr lang="en-US" altLang="zh-CN" sz="2000" dirty="0">
               <a:latin typeface="微软雅黑" panose="020B0503020204020204" pitchFamily="34" charset="-122"/>
@@ -15084,7 +15175,7 @@
         </p:nvSpPr>
         <p:spPr>
           <a:xfrm>
-            <a:off x="1894263" y="2742640"/>
+            <a:off x="1894264" y="2773463"/>
             <a:ext cx="7608325" cy="1631216"/>
           </a:xfrm>
           <a:prstGeom prst="rect">
@@ -15103,7 +15194,7 @@
                 <a:latin typeface="微软雅黑" panose="020B0503020204020204" pitchFamily="34" charset="-122"/>
                 <a:ea typeface="微软雅黑" panose="020B0503020204020204" pitchFamily="34" charset="-122"/>
               </a:rPr>
-              <a:t>数据库软件或硬件随时失效，应用程序随时奔溃</a:t>
+              <a:t>数据库软件或硬件随时失效，应用程序随时崩溃</a:t>
             </a:r>
             <a:endParaRPr lang="en-US" altLang="zh-CN" sz="2000" dirty="0">
               <a:latin typeface="微软雅黑" panose="020B0503020204020204" pitchFamily="34" charset="-122"/>
@@ -15116,7 +15207,7 @@
                 <a:latin typeface="微软雅黑" panose="020B0503020204020204" pitchFamily="34" charset="-122"/>
                 <a:ea typeface="微软雅黑" panose="020B0503020204020204" pitchFamily="34" charset="-122"/>
               </a:rPr>
-              <a:t>应用于数据库之间的链接随时中断</a:t>
+              <a:t>应用与数据库之间的链接随时中断</a:t>
             </a:r>
             <a:endParaRPr lang="en-US" altLang="zh-CN" sz="2000" dirty="0">
               <a:latin typeface="微软雅黑" panose="020B0503020204020204" pitchFamily="34" charset="-122"/>
@@ -15129,21 +15220,7 @@
                 <a:latin typeface="微软雅黑" panose="020B0503020204020204" pitchFamily="34" charset="-122"/>
                 <a:ea typeface="微软雅黑" panose="020B0503020204020204" pitchFamily="34" charset="-122"/>
               </a:rPr>
-              <a:t>多个客户端可能同时写入数据库</a:t>
-            </a:r>
-            <a:r>
-              <a:rPr lang="en-US" altLang="zh-CN" sz="2000" dirty="0">
-                <a:latin typeface="微软雅黑" panose="020B0503020204020204" pitchFamily="34" charset="-122"/>
-                <a:ea typeface="微软雅黑" panose="020B0503020204020204" pitchFamily="34" charset="-122"/>
-              </a:rPr>
-              <a:t>, </a:t>
-            </a:r>
-            <a:r>
-              <a:rPr lang="zh-CN" altLang="en-US" sz="2000" dirty="0">
-                <a:latin typeface="微软雅黑" panose="020B0503020204020204" pitchFamily="34" charset="-122"/>
-                <a:ea typeface="微软雅黑" panose="020B0503020204020204" pitchFamily="34" charset="-122"/>
-              </a:rPr>
-              <a:t>导致数据覆盖</a:t>
+              <a:t>多个客户端可能同时写入数据库，导致数据覆盖</a:t>
             </a:r>
             <a:endParaRPr lang="en-US" altLang="zh-CN" sz="2000" dirty="0">
               <a:latin typeface="微软雅黑" panose="020B0503020204020204" pitchFamily="34" charset="-122"/>
@@ -15156,21 +15233,7 @@
                 <a:latin typeface="微软雅黑" panose="020B0503020204020204" pitchFamily="34" charset="-122"/>
                 <a:ea typeface="微软雅黑" panose="020B0503020204020204" pitchFamily="34" charset="-122"/>
               </a:rPr>
-              <a:t>客户端可能读到一些无意义</a:t>
-            </a:r>
-            <a:r>
-              <a:rPr lang="en-US" altLang="zh-CN" sz="2000" dirty="0">
-                <a:latin typeface="微软雅黑" panose="020B0503020204020204" pitchFamily="34" charset="-122"/>
-                <a:ea typeface="微软雅黑" panose="020B0503020204020204" pitchFamily="34" charset="-122"/>
-              </a:rPr>
-              <a:t>, </a:t>
-            </a:r>
-            <a:r>
-              <a:rPr lang="zh-CN" altLang="en-US" sz="2000" dirty="0">
-                <a:latin typeface="微软雅黑" panose="020B0503020204020204" pitchFamily="34" charset="-122"/>
-                <a:ea typeface="微软雅黑" panose="020B0503020204020204" pitchFamily="34" charset="-122"/>
-              </a:rPr>
-              <a:t>部分更新的数据</a:t>
+              <a:t>客户端可能读到一些无意义，部分更新的数据</a:t>
             </a:r>
             <a:endParaRPr lang="en-US" altLang="zh-CN" sz="2000" dirty="0">
               <a:latin typeface="微软雅黑" panose="020B0503020204020204" pitchFamily="34" charset="-122"/>
@@ -15622,16 +15685,9 @@
                 <a:latin typeface="微软雅黑"/>
                 <a:ea typeface="微软雅黑"/>
               </a:rPr>
-              <a:t>事务作为一个抽象层，将应用程序的多个读，写操作捆绑在一起形成一个逻辑单元，从而简</a:t>
-            </a:r>
-            <a:r>
-              <a:rPr lang="zh-CN" altLang="en-US" sz="2000">
-                <a:latin typeface="微软雅黑"/>
-                <a:ea typeface="微软雅黑"/>
-              </a:rPr>
-              <a:t>化了应用层的处理逻辑 。</a:t>
-            </a:r>
-            <a:endParaRPr lang="en-US" altLang="zh-CN" sz="2000">
+              <a:t>事务作为一个抽象层，将应用程序的多个读，写操作捆绑在一起形成一个逻辑单元，从而简化了应用层的处理逻辑 。</a:t>
+            </a:r>
+            <a:endParaRPr lang="en-US" altLang="zh-CN" sz="2000" dirty="0">
               <a:latin typeface="微软雅黑"/>
               <a:ea typeface="微软雅黑"/>
             </a:endParaRPr>
